--- a/docs/Search Result Interface.pptx
+++ b/docs/Search Result Interface.pptx
@@ -229,7 +229,7 @@
           <a:p>
             <a:fld id="{200639BB-6315-4BC9-8033-5719A6F272B7}" type="datetimeFigureOut">
               <a:rPr lang="en-US" smtClean="0"/>
-              <a:t>9/8/2014</a:t>
+              <a:t>9/8/2015</a:t>
             </a:fld>
             <a:endParaRPr lang="en-US"/>
           </a:p>
@@ -869,7 +869,7 @@
           <a:p>
             <a:r>
               <a:rPr lang="en-US" smtClean="0"/>
-              <a:t>CS 6501: Information Retrieval</a:t>
+              <a:t>CS 4501: Information Retrieval</a:t>
             </a:r>
             <a:endParaRPr lang="en-US"/>
           </a:p>
@@ -1043,7 +1043,7 @@
           <a:p>
             <a:r>
               <a:rPr lang="en-US" smtClean="0"/>
-              <a:t>CS 6501: Information Retrieval</a:t>
+              <a:t>CS 4501: Information Retrieval</a:t>
             </a:r>
             <a:endParaRPr lang="en-US"/>
           </a:p>
@@ -1227,7 +1227,7 @@
           <a:p>
             <a:r>
               <a:rPr lang="en-US" smtClean="0"/>
-              <a:t>CS 6501: Information Retrieval</a:t>
+              <a:t>CS 4501: Information Retrieval</a:t>
             </a:r>
             <a:endParaRPr lang="en-US"/>
           </a:p>
@@ -1401,7 +1401,7 @@
           <a:p>
             <a:r>
               <a:rPr lang="en-US" smtClean="0"/>
-              <a:t>CS 6501: Information Retrieval</a:t>
+              <a:t>CS 4501: Information Retrieval</a:t>
             </a:r>
             <a:endParaRPr lang="en-US"/>
           </a:p>
@@ -1651,7 +1651,7 @@
           <a:p>
             <a:r>
               <a:rPr lang="en-US" smtClean="0"/>
-              <a:t>CS 6501: Information Retrieval</a:t>
+              <a:t>CS 4501: Information Retrieval</a:t>
             </a:r>
             <a:endParaRPr lang="en-US"/>
           </a:p>
@@ -1943,7 +1943,7 @@
           <a:p>
             <a:r>
               <a:rPr lang="en-US" smtClean="0"/>
-              <a:t>CS 6501: Information Retrieval</a:t>
+              <a:t>CS 4501: Information Retrieval</a:t>
             </a:r>
             <a:endParaRPr lang="en-US"/>
           </a:p>
@@ -2369,7 +2369,7 @@
           <a:p>
             <a:r>
               <a:rPr lang="en-US" smtClean="0"/>
-              <a:t>CS 6501: Information Retrieval</a:t>
+              <a:t>CS 4501: Information Retrieval</a:t>
             </a:r>
             <a:endParaRPr lang="en-US"/>
           </a:p>
@@ -2491,7 +2491,7 @@
           <a:p>
             <a:r>
               <a:rPr lang="en-US" smtClean="0"/>
-              <a:t>CS 6501: Information Retrieval</a:t>
+              <a:t>CS 4501: Information Retrieval</a:t>
             </a:r>
             <a:endParaRPr lang="en-US"/>
           </a:p>
@@ -2590,7 +2590,7 @@
           <a:p>
             <a:r>
               <a:rPr lang="en-US" smtClean="0"/>
-              <a:t>CS 6501: Information Retrieval</a:t>
+              <a:t>CS 4501: Information Retrieval</a:t>
             </a:r>
             <a:endParaRPr lang="en-US"/>
           </a:p>
@@ -2871,7 +2871,7 @@
           <a:p>
             <a:r>
               <a:rPr lang="en-US" smtClean="0"/>
-              <a:t>CS 6501: Information Retrieval</a:t>
+              <a:t>CS 4501: Information Retrieval</a:t>
             </a:r>
             <a:endParaRPr lang="en-US"/>
           </a:p>
@@ -3128,7 +3128,7 @@
           <a:p>
             <a:r>
               <a:rPr lang="en-US" smtClean="0"/>
-              <a:t>CS 6501: Information Retrieval</a:t>
+              <a:t>CS 4501: Information Retrieval</a:t>
             </a:r>
             <a:endParaRPr lang="en-US"/>
           </a:p>
@@ -3363,7 +3363,7 @@
           <a:p>
             <a:r>
               <a:rPr lang="en-US" smtClean="0"/>
-              <a:t>CS 6501: Information Retrieval</a:t>
+              <a:t>CS 4501: Information Retrieval</a:t>
             </a:r>
             <a:endParaRPr lang="en-US"/>
           </a:p>
@@ -3922,7 +3922,7 @@
           <a:p>
             <a:r>
               <a:rPr lang="en-US" smtClean="0"/>
-              <a:t>CS 6501: Information Retrieval</a:t>
+              <a:t>CS 4501: Information Retrieval</a:t>
             </a:r>
             <a:endParaRPr lang="en-US"/>
           </a:p>
@@ -4115,7 +4115,7 @@
           <a:p>
             <a:r>
               <a:rPr lang="en-US" smtClean="0"/>
-              <a:t>CS 6501: Information Retrieval</a:t>
+              <a:t>CS 4501: Information Retrieval</a:t>
             </a:r>
             <a:endParaRPr lang="en-US"/>
           </a:p>
@@ -4399,7 +4399,7 @@
           <a:p>
             <a:r>
               <a:rPr lang="en-US" smtClean="0"/>
-              <a:t>CS 6501: Information Retrieval</a:t>
+              <a:t>CS 4501: Information Retrieval</a:t>
             </a:r>
             <a:endParaRPr lang="en-US"/>
           </a:p>
@@ -4668,7 +4668,7 @@
           <a:p>
             <a:r>
               <a:rPr lang="en-US" smtClean="0"/>
-              <a:t>CS 6501: Information Retrieval</a:t>
+              <a:t>CS 4501: Information Retrieval</a:t>
             </a:r>
             <a:endParaRPr lang="en-US"/>
           </a:p>
@@ -4914,7 +4914,7 @@
           <a:p>
             <a:r>
               <a:rPr lang="en-US" smtClean="0"/>
-              <a:t>CS 6501: Information Retrieval</a:t>
+              <a:t>CS 4501: Information Retrieval</a:t>
             </a:r>
             <a:endParaRPr lang="en-US"/>
           </a:p>
@@ -5097,7 +5097,7 @@
           <a:p>
             <a:r>
               <a:rPr lang="en-US" smtClean="0"/>
-              <a:t>CS 6501: Information Retrieval</a:t>
+              <a:t>CS 4501: Information Retrieval</a:t>
             </a:r>
             <a:endParaRPr lang="en-US"/>
           </a:p>
@@ -5280,7 +5280,7 @@
           <a:p>
             <a:r>
               <a:rPr lang="en-US" smtClean="0"/>
-              <a:t>CS 6501: Information Retrieval</a:t>
+              <a:t>CS 4501: Information Retrieval</a:t>
             </a:r>
             <a:endParaRPr lang="en-US"/>
           </a:p>
@@ -5433,7 +5433,7 @@
           <a:p>
             <a:r>
               <a:rPr lang="en-US" smtClean="0"/>
-              <a:t>CS 6501: Information Retrieval</a:t>
+              <a:t>CS 4501: Information Retrieval</a:t>
             </a:r>
             <a:endParaRPr lang="en-US"/>
           </a:p>
@@ -5836,7 +5836,7 @@
           <a:p>
             <a:r>
               <a:rPr lang="en-US" smtClean="0"/>
-              <a:t>CS 6501: Information Retrieval</a:t>
+              <a:t>CS 4501: Information Retrieval</a:t>
             </a:r>
             <a:endParaRPr lang="en-US"/>
           </a:p>
@@ -6208,7 +6208,7 @@
           <a:p>
             <a:r>
               <a:rPr lang="en-US" smtClean="0"/>
-              <a:t>CS 6501: Information Retrieval</a:t>
+              <a:t>CS 4501: Information Retrieval</a:t>
             </a:r>
             <a:endParaRPr lang="en-US"/>
           </a:p>
@@ -12313,7 +12313,7 @@
           <a:p>
             <a:r>
               <a:rPr lang="en-US" smtClean="0"/>
-              <a:t>CS6501: Information Retrieval</a:t>
+              <a:t>CS 4501: Information Retrieval</a:t>
             </a:r>
             <a:endParaRPr lang="en-US"/>
           </a:p>
@@ -12716,7 +12716,7 @@
           <a:p>
             <a:r>
               <a:rPr lang="en-US" smtClean="0"/>
-              <a:t>CS 6501: Information Retrieval</a:t>
+              <a:t>CS 4501: Information Retrieval</a:t>
             </a:r>
             <a:endParaRPr lang="en-US"/>
           </a:p>
@@ -13244,7 +13244,7 @@
           <a:p>
             <a:r>
               <a:rPr lang="en-US" smtClean="0"/>
-              <a:t>CS 6501: Information Retrieval</a:t>
+              <a:t>CS 4501: Information Retrieval</a:t>
             </a:r>
             <a:endParaRPr lang="en-US"/>
           </a:p>
@@ -13402,7 +13402,7 @@
           <a:p>
             <a:r>
               <a:rPr lang="en-US" smtClean="0"/>
-              <a:t>CS 6501: Information Retrieval</a:t>
+              <a:t>CS 4501: Information Retrieval</a:t>
             </a:r>
             <a:endParaRPr lang="en-US"/>
           </a:p>
@@ -13569,7 +13569,7 @@
           <a:p>
             <a:r>
               <a:rPr lang="en-US" smtClean="0"/>
-              <a:t>CS 6501: Information Retrieval</a:t>
+              <a:t>CS 4501: Information Retrieval</a:t>
             </a:r>
             <a:endParaRPr lang="en-US"/>
           </a:p>
@@ -13752,7 +13752,7 @@
           <a:p>
             <a:r>
               <a:rPr lang="en-US" smtClean="0"/>
-              <a:t>CS 6501: Information Retrieval</a:t>
+              <a:t>CS 4501: Information Retrieval</a:t>
             </a:r>
             <a:endParaRPr lang="en-US"/>
           </a:p>
@@ -13905,7 +13905,7 @@
           <a:p>
             <a:r>
               <a:rPr lang="en-US" smtClean="0"/>
-              <a:t>CS 6501: Information Retrieval</a:t>
+              <a:t>CS 4501: Information Retrieval</a:t>
             </a:r>
             <a:endParaRPr lang="en-US"/>
           </a:p>
@@ -14088,7 +14088,7 @@
           <a:p>
             <a:r>
               <a:rPr lang="en-US" smtClean="0"/>
-              <a:t>CS 6501: Information Retrieval</a:t>
+              <a:t>CS 4501: Information Retrieval</a:t>
             </a:r>
             <a:endParaRPr lang="en-US"/>
           </a:p>
@@ -14502,7 +14502,7 @@
           <a:p>
             <a:r>
               <a:rPr lang="en-US" smtClean="0"/>
-              <a:t>CS 6501: Information Retrieval</a:t>
+              <a:t>CS 4501: Information Retrieval</a:t>
             </a:r>
             <a:endParaRPr lang="en-US"/>
           </a:p>
@@ -15106,7 +15106,7 @@
           <a:p>
             <a:r>
               <a:rPr lang="en-US" smtClean="0"/>
-              <a:t>CS 6501: Information Retrieval</a:t>
+              <a:t>CS 4501: Information Retrieval</a:t>
             </a:r>
             <a:endParaRPr lang="en-US"/>
           </a:p>
@@ -15366,7 +15366,7 @@
           <a:p>
             <a:r>
               <a:rPr lang="en-US" smtClean="0"/>
-              <a:t>CS 6501: Information Retrieval</a:t>
+              <a:t>CS 4501: Information Retrieval</a:t>
             </a:r>
             <a:endParaRPr lang="en-US"/>
           </a:p>
